--- a/document/User頁面v1.pptx
+++ b/document/User頁面v1.pptx
@@ -231,7 +231,7 @@
           <a:p>
             <a:fld id="{014928D2-70B3-C642-9416-8A2E7C5AD5CC}" type="datetimeFigureOut">
               <a:rPr kumimoji="1" lang="zh-TW" altLang="en-US" smtClean="0"/>
-              <a:t>2017/9/19</a:t>
+              <a:t>2017/9/24</a:t>
             </a:fld>
             <a:endParaRPr kumimoji="1" lang="zh-TW" altLang="en-US"/>
           </a:p>
@@ -544,8 +544,16 @@
           <a:lstStyle/>
           <a:p>
             <a:r>
+              <a:rPr kumimoji="1" lang="en-US" altLang="zh-TW" dirty="0" smtClean="0"/>
+              <a:t>2017/9/19</a:t>
+            </a:r>
+            <a:r>
               <a:rPr kumimoji="1" lang="zh-TW" altLang="en-US" dirty="0" smtClean="0"/>
-              <a:t>常用的點能不能記憶，路徑規劃</a:t>
+              <a:t> 常用</a:t>
+            </a:r>
+            <a:r>
+              <a:rPr kumimoji="1" lang="zh-TW" altLang="en-US" dirty="0" smtClean="0"/>
+              <a:t>的點能不能記憶，路徑規劃</a:t>
             </a:r>
             <a:r>
               <a:rPr kumimoji="1" lang="en-US" altLang="zh-TW" dirty="0" smtClean="0"/>
@@ -639,8 +647,32 @@
           <a:lstStyle/>
           <a:p>
             <a:r>
+              <a:rPr kumimoji="1" lang="en-US" altLang="zh-TW" dirty="0" smtClean="0"/>
+              <a:t>2017/9/19</a:t>
+            </a:r>
+            <a:r>
               <a:rPr kumimoji="1" lang="zh-TW" altLang="en-US" dirty="0" smtClean="0"/>
-              <a:t>右邊的圖畫錯</a:t>
+              <a:t> 右邊</a:t>
+            </a:r>
+            <a:r>
+              <a:rPr kumimoji="1" lang="zh-TW" altLang="en-US" dirty="0" smtClean="0"/>
+              <a:t>的圖畫</a:t>
+            </a:r>
+            <a:r>
+              <a:rPr kumimoji="1" lang="zh-TW" altLang="en-US" dirty="0" smtClean="0"/>
+              <a:t>錯</a:t>
+            </a:r>
+            <a:r>
+              <a:rPr kumimoji="1" lang="en-US" altLang="zh-TW" dirty="0" smtClean="0"/>
+              <a:t>(</a:t>
+            </a:r>
+            <a:r>
+              <a:rPr kumimoji="1" lang="zh-TW" altLang="en-US" dirty="0" smtClean="0"/>
+              <a:t>已修改</a:t>
+            </a:r>
+            <a:r>
+              <a:rPr kumimoji="1" lang="en-US" altLang="zh-TW" dirty="0" smtClean="0"/>
+              <a:t>)</a:t>
             </a:r>
             <a:endParaRPr kumimoji="1" lang="zh-TW" altLang="en-US" dirty="0"/>
           </a:p>
@@ -727,8 +759,16 @@
           <a:lstStyle/>
           <a:p>
             <a:r>
+              <a:rPr kumimoji="1" lang="en-US" altLang="zh-TW" dirty="0" smtClean="0"/>
+              <a:t>2017/9/19</a:t>
+            </a:r>
+            <a:r>
               <a:rPr kumimoji="1" lang="zh-TW" altLang="en-US" dirty="0" smtClean="0"/>
-              <a:t>狗那邊要可以放名字，不是只有數字</a:t>
+              <a:t> 狗</a:t>
+            </a:r>
+            <a:r>
+              <a:rPr kumimoji="1" lang="zh-TW" altLang="en-US" dirty="0" smtClean="0"/>
+              <a:t>那邊要可以放名字，不是只有數字</a:t>
             </a:r>
           </a:p>
           <a:p>
@@ -824,7 +864,7 @@
               <a:t> </a:t>
             </a:r>
             <a:r>
-              <a:rPr kumimoji="1" lang="en-US" altLang="zh-TW" baseline="0" smtClean="0"/>
+              <a:rPr kumimoji="1" lang="en-US" altLang="zh-TW" baseline="0" dirty="0" smtClean="0"/>
               <a:t>timeout</a:t>
             </a:r>
             <a:endParaRPr kumimoji="1" lang="zh-TW" altLang="en-US" baseline="0" dirty="0" smtClean="0"/>
@@ -1051,7 +1091,7 @@
           <a:p>
             <a:fld id="{C58FEB62-690E-4E98-88E7-5DD4D49ECFE1}" type="datetimeFigureOut">
               <a:rPr lang="zh-TW" altLang="en-US" smtClean="0"/>
-              <a:t>2017/9/19</a:t>
+              <a:t>2017/9/24</a:t>
             </a:fld>
             <a:endParaRPr lang="zh-TW" altLang="en-US"/>
           </a:p>
@@ -1221,7 +1261,7 @@
           <a:p>
             <a:fld id="{C58FEB62-690E-4E98-88E7-5DD4D49ECFE1}" type="datetimeFigureOut">
               <a:rPr lang="zh-TW" altLang="en-US" smtClean="0"/>
-              <a:t>2017/9/19</a:t>
+              <a:t>2017/9/24</a:t>
             </a:fld>
             <a:endParaRPr lang="zh-TW" altLang="en-US"/>
           </a:p>
@@ -1401,7 +1441,7 @@
           <a:p>
             <a:fld id="{C58FEB62-690E-4E98-88E7-5DD4D49ECFE1}" type="datetimeFigureOut">
               <a:rPr lang="zh-TW" altLang="en-US" smtClean="0"/>
-              <a:t>2017/9/19</a:t>
+              <a:t>2017/9/24</a:t>
             </a:fld>
             <a:endParaRPr lang="zh-TW" altLang="en-US"/>
           </a:p>
@@ -1571,7 +1611,7 @@
           <a:p>
             <a:fld id="{C58FEB62-690E-4E98-88E7-5DD4D49ECFE1}" type="datetimeFigureOut">
               <a:rPr lang="zh-TW" altLang="en-US" smtClean="0"/>
-              <a:t>2017/9/19</a:t>
+              <a:t>2017/9/24</a:t>
             </a:fld>
             <a:endParaRPr lang="zh-TW" altLang="en-US"/>
           </a:p>
@@ -1817,7 +1857,7 @@
           <a:p>
             <a:fld id="{C58FEB62-690E-4E98-88E7-5DD4D49ECFE1}" type="datetimeFigureOut">
               <a:rPr lang="zh-TW" altLang="en-US" smtClean="0"/>
-              <a:t>2017/9/19</a:t>
+              <a:t>2017/9/24</a:t>
             </a:fld>
             <a:endParaRPr lang="zh-TW" altLang="en-US"/>
           </a:p>
@@ -2105,7 +2145,7 @@
           <a:p>
             <a:fld id="{C58FEB62-690E-4E98-88E7-5DD4D49ECFE1}" type="datetimeFigureOut">
               <a:rPr lang="zh-TW" altLang="en-US" smtClean="0"/>
-              <a:t>2017/9/19</a:t>
+              <a:t>2017/9/24</a:t>
             </a:fld>
             <a:endParaRPr lang="zh-TW" altLang="en-US"/>
           </a:p>
@@ -2527,7 +2567,7 @@
           <a:p>
             <a:fld id="{C58FEB62-690E-4E98-88E7-5DD4D49ECFE1}" type="datetimeFigureOut">
               <a:rPr lang="zh-TW" altLang="en-US" smtClean="0"/>
-              <a:t>2017/9/19</a:t>
+              <a:t>2017/9/24</a:t>
             </a:fld>
             <a:endParaRPr lang="zh-TW" altLang="en-US"/>
           </a:p>
@@ -2645,7 +2685,7 @@
           <a:p>
             <a:fld id="{C58FEB62-690E-4E98-88E7-5DD4D49ECFE1}" type="datetimeFigureOut">
               <a:rPr lang="zh-TW" altLang="en-US" smtClean="0"/>
-              <a:t>2017/9/19</a:t>
+              <a:t>2017/9/24</a:t>
             </a:fld>
             <a:endParaRPr lang="zh-TW" altLang="en-US"/>
           </a:p>
@@ -2740,7 +2780,7 @@
           <a:p>
             <a:fld id="{C58FEB62-690E-4E98-88E7-5DD4D49ECFE1}" type="datetimeFigureOut">
               <a:rPr lang="zh-TW" altLang="en-US" smtClean="0"/>
-              <a:t>2017/9/19</a:t>
+              <a:t>2017/9/24</a:t>
             </a:fld>
             <a:endParaRPr lang="zh-TW" altLang="en-US"/>
           </a:p>
@@ -3017,7 +3057,7 @@
           <a:p>
             <a:fld id="{C58FEB62-690E-4E98-88E7-5DD4D49ECFE1}" type="datetimeFigureOut">
               <a:rPr lang="zh-TW" altLang="en-US" smtClean="0"/>
-              <a:t>2017/9/19</a:t>
+              <a:t>2017/9/24</a:t>
             </a:fld>
             <a:endParaRPr lang="zh-TW" altLang="en-US"/>
           </a:p>
@@ -3270,7 +3310,7 @@
           <a:p>
             <a:fld id="{C58FEB62-690E-4E98-88E7-5DD4D49ECFE1}" type="datetimeFigureOut">
               <a:rPr lang="zh-TW" altLang="en-US" smtClean="0"/>
-              <a:t>2017/9/19</a:t>
+              <a:t>2017/9/24</a:t>
             </a:fld>
             <a:endParaRPr lang="zh-TW" altLang="en-US"/>
           </a:p>
@@ -3483,7 +3523,7 @@
           <a:p>
             <a:fld id="{C58FEB62-690E-4E98-88E7-5DD4D49ECFE1}" type="datetimeFigureOut">
               <a:rPr lang="zh-TW" altLang="en-US" smtClean="0"/>
-              <a:t>2017/9/19</a:t>
+              <a:t>2017/9/24</a:t>
             </a:fld>
             <a:endParaRPr lang="zh-TW" altLang="en-US"/>
           </a:p>
@@ -6873,6 +6913,78 @@
           <a:p>
             <a:pPr algn="ctr"/>
             <a:endParaRPr lang="zh-TW" altLang="en-US"/>
+          </a:p>
+        </p:txBody>
+      </p:sp>
+      <p:pic>
+        <p:nvPicPr>
+          <p:cNvPr id="29" name="圖片 28"/>
+          <p:cNvPicPr>
+            <a:picLocks noChangeAspect="1"/>
+          </p:cNvPicPr>
+          <p:nvPr/>
+        </p:nvPicPr>
+        <p:blipFill>
+          <a:blip r:embed="rId5" cstate="print">
+            <a:extLst>
+              <a:ext uri="{28A0092B-C50C-407E-A947-70E740481C1C}">
+                <a14:useLocalDpi xmlns:a14="http://schemas.microsoft.com/office/drawing/2010/main" val="0"/>
+              </a:ext>
+            </a:extLst>
+          </a:blip>
+          <a:stretch>
+            <a:fillRect/>
+          </a:stretch>
+        </p:blipFill>
+        <p:spPr>
+          <a:xfrm>
+            <a:off x="8808219" y="3062338"/>
+            <a:ext cx="719507" cy="601185"/>
+          </a:xfrm>
+          <a:prstGeom prst="rect">
+            <a:avLst/>
+          </a:prstGeom>
+        </p:spPr>
+      </p:pic>
+      <p:sp>
+        <p:nvSpPr>
+          <p:cNvPr id="2" name="文字方塊 1"/>
+          <p:cNvSpPr txBox="1"/>
+          <p:nvPr/>
+        </p:nvSpPr>
+        <p:spPr>
+          <a:xfrm>
+            <a:off x="6875296" y="3971037"/>
+            <a:ext cx="1345690" cy="338554"/>
+          </a:xfrm>
+          <a:prstGeom prst="rect">
+            <a:avLst/>
+          </a:prstGeom>
+          <a:noFill/>
+        </p:spPr>
+        <p:txBody>
+          <a:bodyPr wrap="square" rtlCol="0">
+            <a:spAutoFit/>
+          </a:bodyPr>
+          <a:lstStyle/>
+          <a:p>
+            <a:r>
+              <a:rPr lang="zh-TW" altLang="en-US" sz="1600" dirty="0" smtClean="0">
+                <a:solidFill>
+                  <a:schemeClr val="accent2">
+                    <a:lumMod val="75000"/>
+                  </a:schemeClr>
+                </a:solidFill>
+              </a:rPr>
+              <a:t>現在位置</a:t>
+            </a:r>
+            <a:endParaRPr lang="zh-TW" altLang="en-US" sz="1600" dirty="0">
+              <a:solidFill>
+                <a:schemeClr val="accent2">
+                  <a:lumMod val="75000"/>
+                </a:schemeClr>
+              </a:solidFill>
+            </a:endParaRPr>
           </a:p>
         </p:txBody>
       </p:sp>

--- a/document/User頁面v1.pptx
+++ b/document/User頁面v1.pptx
@@ -549,15 +549,25 @@
             </a:r>
             <a:r>
               <a:rPr kumimoji="1" lang="zh-TW" altLang="en-US" dirty="0" smtClean="0"/>
-              <a:t> 常用</a:t>
-            </a:r>
-            <a:r>
-              <a:rPr kumimoji="1" lang="zh-TW" altLang="en-US" dirty="0" smtClean="0"/>
-              <a:t>的點能不能記憶，路徑規劃</a:t>
+              <a:t> 常用的點能不能記憶，路徑規劃</a:t>
             </a:r>
             <a:r>
               <a:rPr kumimoji="1" lang="en-US" altLang="zh-TW" dirty="0" smtClean="0"/>
               <a:t>cache</a:t>
+            </a:r>
+          </a:p>
+          <a:p>
+            <a:r>
+              <a:rPr kumimoji="1" lang="en-US" altLang="zh-TW" dirty="0" smtClean="0"/>
+              <a:t>Future</a:t>
+            </a:r>
+            <a:r>
+              <a:rPr kumimoji="1" lang="en-US" altLang="zh-TW" baseline="0" dirty="0" smtClean="0"/>
+              <a:t> work</a:t>
+            </a:r>
+            <a:r>
+              <a:rPr kumimoji="1" lang="zh-TW" altLang="en-US" baseline="0" dirty="0" smtClean="0"/>
+              <a:t>：新增中途點</a:t>
             </a:r>
             <a:endParaRPr kumimoji="1" lang="zh-TW" altLang="en-US" dirty="0" smtClean="0"/>
           </a:p>
@@ -652,15 +662,7 @@
             </a:r>
             <a:r>
               <a:rPr kumimoji="1" lang="zh-TW" altLang="en-US" dirty="0" smtClean="0"/>
-              <a:t> 右邊</a:t>
-            </a:r>
-            <a:r>
-              <a:rPr kumimoji="1" lang="zh-TW" altLang="en-US" dirty="0" smtClean="0"/>
-              <a:t>的圖畫</a:t>
-            </a:r>
-            <a:r>
-              <a:rPr kumimoji="1" lang="zh-TW" altLang="en-US" dirty="0" smtClean="0"/>
-              <a:t>錯</a:t>
+              <a:t> 右邊的圖畫錯</a:t>
             </a:r>
             <a:r>
               <a:rPr kumimoji="1" lang="en-US" altLang="zh-TW" dirty="0" smtClean="0"/>
@@ -764,11 +766,7 @@
             </a:r>
             <a:r>
               <a:rPr kumimoji="1" lang="zh-TW" altLang="en-US" dirty="0" smtClean="0"/>
-              <a:t> 狗</a:t>
-            </a:r>
-            <a:r>
-              <a:rPr kumimoji="1" lang="zh-TW" altLang="en-US" dirty="0" smtClean="0"/>
-              <a:t>那邊要可以放名字，不是只有數字</a:t>
+              <a:t> 狗那邊要可以放名字，不是只有數字</a:t>
             </a:r>
           </a:p>
           <a:p>
@@ -4867,22 +4865,22 @@
       </p:sp>
       <p:sp>
         <p:nvSpPr>
-          <p:cNvPr id="14" name="橢圓 13"/>
+          <p:cNvPr id="19" name="橢圓 18"/>
           <p:cNvSpPr/>
           <p:nvPr/>
         </p:nvSpPr>
         <p:spPr>
           <a:xfrm>
-            <a:off x="8491638" y="1965589"/>
-            <a:ext cx="180000" cy="180000"/>
+            <a:off x="2049979" y="764704"/>
+            <a:ext cx="892356" cy="576064"/>
           </a:xfrm>
           <a:prstGeom prst="ellipse">
             <a:avLst/>
           </a:prstGeom>
           <a:noFill/>
-          <a:ln w="22225">
+          <a:ln>
             <a:solidFill>
-              <a:srgbClr val="99CCFF"/>
+              <a:srgbClr val="FF0000"/>
             </a:solidFill>
           </a:ln>
         </p:spPr>
@@ -4903,35 +4901,96 @@
           </a:fontRef>
         </p:style>
         <p:txBody>
-          <a:bodyPr lIns="0" tIns="0" rIns="0" bIns="18000" rtlCol="0" anchor="ctr"/>
+          <a:bodyPr rtlCol="0" anchor="ctr"/>
           <a:lstStyle/>
           <a:p>
             <a:pPr algn="ctr"/>
-            <a:r>
-              <a:rPr lang="en-US" altLang="zh-TW" dirty="0" smtClean="0">
+            <a:endParaRPr lang="zh-TW" altLang="en-US"/>
+          </a:p>
+        </p:txBody>
+      </p:sp>
+      <p:cxnSp>
+        <p:nvCxnSpPr>
+          <p:cNvPr id="20" name="直線單箭頭接點 19"/>
+          <p:cNvCxnSpPr>
+            <a:endCxn id="19" idx="3"/>
+          </p:cNvCxnSpPr>
+          <p:nvPr/>
+        </p:nvCxnSpPr>
+        <p:spPr>
+          <a:xfrm flipV="1">
+            <a:off x="1905963" y="1256405"/>
+            <a:ext cx="274699" cy="588420"/>
+          </a:xfrm>
+          <a:prstGeom prst="straightConnector1">
+            <a:avLst/>
+          </a:prstGeom>
+          <a:ln w="25400">
+            <a:solidFill>
+              <a:srgbClr val="FF0000"/>
+            </a:solidFill>
+            <a:tailEnd type="arrow"/>
+          </a:ln>
+        </p:spPr>
+        <p:style>
+          <a:lnRef idx="1">
+            <a:schemeClr val="accent1"/>
+          </a:lnRef>
+          <a:fillRef idx="0">
+            <a:schemeClr val="accent1"/>
+          </a:fillRef>
+          <a:effectRef idx="0">
+            <a:schemeClr val="accent1"/>
+          </a:effectRef>
+          <a:fontRef idx="minor">
+            <a:schemeClr val="tx1"/>
+          </a:fontRef>
+        </p:style>
+      </p:cxnSp>
+      <p:sp>
+        <p:nvSpPr>
+          <p:cNvPr id="21" name="文字方塊 20"/>
+          <p:cNvSpPr txBox="1"/>
+          <p:nvPr/>
+        </p:nvSpPr>
+        <p:spPr>
+          <a:xfrm>
+            <a:off x="1691680" y="1859791"/>
+            <a:ext cx="2031325" cy="369332"/>
+          </a:xfrm>
+          <a:prstGeom prst="rect">
+            <a:avLst/>
+          </a:prstGeom>
+          <a:solidFill>
+            <a:schemeClr val="bg1"/>
+          </a:solidFill>
+        </p:spPr>
+        <p:txBody>
+          <a:bodyPr wrap="none" rtlCol="0">
+            <a:spAutoFit/>
+          </a:bodyPr>
+          <a:lstStyle/>
+          <a:p>
+            <a:r>
+              <a:rPr lang="zh-TW" altLang="en-US" dirty="0">
                 <a:solidFill>
-                  <a:srgbClr val="99CCFF"/>
+                  <a:srgbClr val="FF0000"/>
                 </a:solidFill>
               </a:rPr>
-              <a:t>+</a:t>
-            </a:r>
-            <a:endParaRPr lang="zh-TW" altLang="en-US" dirty="0">
-              <a:solidFill>
-                <a:srgbClr val="99CCFF"/>
-              </a:solidFill>
-            </a:endParaRPr>
-          </a:p>
-        </p:txBody>
-      </p:sp>
-      <p:sp>
-        <p:nvSpPr>
-          <p:cNvPr id="19" name="橢圓 18"/>
+              <a:t>一旦按下路徑規劃</a:t>
+            </a:r>
+          </a:p>
+        </p:txBody>
+      </p:sp>
+      <p:sp>
+        <p:nvSpPr>
+          <p:cNvPr id="23" name="橢圓 22"/>
           <p:cNvSpPr/>
           <p:nvPr/>
         </p:nvSpPr>
         <p:spPr>
           <a:xfrm>
-            <a:off x="2049979" y="764704"/>
+            <a:off x="6559964" y="792012"/>
             <a:ext cx="892356" cy="576064"/>
           </a:xfrm>
           <a:prstGeom prst="ellipse">
@@ -4971,16 +5030,14 @@
       </p:sp>
       <p:cxnSp>
         <p:nvCxnSpPr>
-          <p:cNvPr id="20" name="直線單箭頭接點 19"/>
-          <p:cNvCxnSpPr>
-            <a:endCxn id="19" idx="3"/>
-          </p:cNvCxnSpPr>
+          <p:cNvPr id="24" name="直線單箭頭接點 23"/>
+          <p:cNvCxnSpPr/>
           <p:nvPr/>
         </p:nvCxnSpPr>
         <p:spPr>
-          <a:xfrm flipV="1">
-            <a:off x="1905963" y="1256405"/>
-            <a:ext cx="274699" cy="588420"/>
+          <a:xfrm>
+            <a:off x="5851952" y="587862"/>
+            <a:ext cx="808280" cy="320858"/>
           </a:xfrm>
           <a:prstGeom prst="straightConnector1">
             <a:avLst/>
@@ -5009,13 +5066,13 @@
       </p:cxnSp>
       <p:sp>
         <p:nvSpPr>
-          <p:cNvPr id="21" name="文字方塊 20"/>
+          <p:cNvPr id="28" name="文字方塊 27"/>
           <p:cNvSpPr txBox="1"/>
           <p:nvPr/>
         </p:nvSpPr>
         <p:spPr>
           <a:xfrm>
-            <a:off x="1691680" y="1859791"/>
+            <a:off x="5005353" y="332656"/>
             <a:ext cx="2031325" cy="369332"/>
           </a:xfrm>
           <a:prstGeom prst="rect">
@@ -5032,72 +5089,31 @@
           <a:lstStyle/>
           <a:p>
             <a:r>
-              <a:rPr lang="zh-TW" altLang="en-US" dirty="0">
+              <a:rPr lang="zh-TW" altLang="en-US" dirty="0" smtClean="0">
                 <a:solidFill>
                   <a:srgbClr val="FF0000"/>
                 </a:solidFill>
               </a:rPr>
-              <a:t>一旦按下路徑規劃</a:t>
-            </a:r>
-          </a:p>
-        </p:txBody>
-      </p:sp>
-      <p:sp>
-        <p:nvSpPr>
-          <p:cNvPr id="23" name="橢圓 22"/>
-          <p:cNvSpPr/>
-          <p:nvPr/>
-        </p:nvSpPr>
-        <p:spPr>
-          <a:xfrm>
-            <a:off x="6559964" y="792012"/>
-            <a:ext cx="892356" cy="576064"/>
-          </a:xfrm>
-          <a:prstGeom prst="ellipse">
-            <a:avLst/>
-          </a:prstGeom>
-          <a:noFill/>
-          <a:ln>
-            <a:solidFill>
-              <a:srgbClr val="FF0000"/>
-            </a:solidFill>
-          </a:ln>
-        </p:spPr>
-        <p:style>
-          <a:lnRef idx="2">
-            <a:schemeClr val="accent1">
-              <a:shade val="50000"/>
-            </a:schemeClr>
-          </a:lnRef>
-          <a:fillRef idx="1">
-            <a:schemeClr val="accent1"/>
-          </a:fillRef>
-          <a:effectRef idx="0">
-            <a:schemeClr val="accent1"/>
-          </a:effectRef>
-          <a:fontRef idx="minor">
-            <a:schemeClr val="lt1"/>
-          </a:fontRef>
-        </p:style>
-        <p:txBody>
-          <a:bodyPr rtlCol="0" anchor="ctr"/>
-          <a:lstStyle/>
-          <a:p>
-            <a:pPr algn="ctr"/>
-            <a:endParaRPr lang="zh-TW" altLang="en-US"/>
+              <a:t>文字變成結束規劃</a:t>
+            </a:r>
+            <a:endParaRPr lang="zh-TW" altLang="en-US" dirty="0">
+              <a:solidFill>
+                <a:srgbClr val="FF0000"/>
+              </a:solidFill>
+            </a:endParaRPr>
           </a:p>
         </p:txBody>
       </p:sp>
       <p:cxnSp>
         <p:nvCxnSpPr>
-          <p:cNvPr id="24" name="直線單箭頭接點 23"/>
+          <p:cNvPr id="30" name="直線單箭頭接點 29"/>
           <p:cNvCxnSpPr/>
           <p:nvPr/>
         </p:nvCxnSpPr>
         <p:spPr>
-          <a:xfrm>
-            <a:off x="5851952" y="587862"/>
-            <a:ext cx="808280" cy="320858"/>
+          <a:xfrm flipV="1">
+            <a:off x="4532755" y="2024762"/>
+            <a:ext cx="700772" cy="941806"/>
           </a:xfrm>
           <a:prstGeom prst="straightConnector1">
             <a:avLst/>
@@ -5126,82 +5142,6 @@
       </p:cxnSp>
       <p:sp>
         <p:nvSpPr>
-          <p:cNvPr id="28" name="文字方塊 27"/>
-          <p:cNvSpPr txBox="1"/>
-          <p:nvPr/>
-        </p:nvSpPr>
-        <p:spPr>
-          <a:xfrm>
-            <a:off x="5005353" y="332656"/>
-            <a:ext cx="2031325" cy="369332"/>
-          </a:xfrm>
-          <a:prstGeom prst="rect">
-            <a:avLst/>
-          </a:prstGeom>
-          <a:solidFill>
-            <a:schemeClr val="bg1"/>
-          </a:solidFill>
-        </p:spPr>
-        <p:txBody>
-          <a:bodyPr wrap="none" rtlCol="0">
-            <a:spAutoFit/>
-          </a:bodyPr>
-          <a:lstStyle/>
-          <a:p>
-            <a:r>
-              <a:rPr lang="zh-TW" altLang="en-US" dirty="0" smtClean="0">
-                <a:solidFill>
-                  <a:srgbClr val="FF0000"/>
-                </a:solidFill>
-              </a:rPr>
-              <a:t>文字變成結束規劃</a:t>
-            </a:r>
-            <a:endParaRPr lang="zh-TW" altLang="en-US" dirty="0">
-              <a:solidFill>
-                <a:srgbClr val="FF0000"/>
-              </a:solidFill>
-            </a:endParaRPr>
-          </a:p>
-        </p:txBody>
-      </p:sp>
-      <p:cxnSp>
-        <p:nvCxnSpPr>
-          <p:cNvPr id="30" name="直線單箭頭接點 29"/>
-          <p:cNvCxnSpPr/>
-          <p:nvPr/>
-        </p:nvCxnSpPr>
-        <p:spPr>
-          <a:xfrm flipV="1">
-            <a:off x="4532755" y="2024762"/>
-            <a:ext cx="700772" cy="941806"/>
-          </a:xfrm>
-          <a:prstGeom prst="straightConnector1">
-            <a:avLst/>
-          </a:prstGeom>
-          <a:ln w="25400">
-            <a:solidFill>
-              <a:srgbClr val="FF0000"/>
-            </a:solidFill>
-            <a:tailEnd type="arrow"/>
-          </a:ln>
-        </p:spPr>
-        <p:style>
-          <a:lnRef idx="1">
-            <a:schemeClr val="accent1"/>
-          </a:lnRef>
-          <a:fillRef idx="0">
-            <a:schemeClr val="accent1"/>
-          </a:fillRef>
-          <a:effectRef idx="0">
-            <a:schemeClr val="accent1"/>
-          </a:effectRef>
-          <a:fontRef idx="minor">
-            <a:schemeClr val="tx1"/>
-          </a:fontRef>
-        </p:style>
-      </p:cxnSp>
-      <p:sp>
-        <p:nvSpPr>
           <p:cNvPr id="34" name="文字方塊 33"/>
           <p:cNvSpPr txBox="1"/>
           <p:nvPr/>
@@ -5231,105 +5171,6 @@
                 </a:solidFill>
               </a:rPr>
               <a:t>畫面上方出現此方塊</a:t>
-            </a:r>
-            <a:endParaRPr lang="zh-TW" altLang="en-US" dirty="0">
-              <a:solidFill>
-                <a:srgbClr val="FF0000"/>
-              </a:solidFill>
-            </a:endParaRPr>
-          </a:p>
-        </p:txBody>
-      </p:sp>
-      <p:cxnSp>
-        <p:nvCxnSpPr>
-          <p:cNvPr id="35" name="直線單箭頭接點 34"/>
-          <p:cNvCxnSpPr/>
-          <p:nvPr/>
-        </p:nvCxnSpPr>
-        <p:spPr>
-          <a:xfrm flipV="1">
-            <a:off x="8206653" y="2204864"/>
-            <a:ext cx="374985" cy="1080120"/>
-          </a:xfrm>
-          <a:prstGeom prst="straightConnector1">
-            <a:avLst/>
-          </a:prstGeom>
-          <a:ln w="25400">
-            <a:solidFill>
-              <a:srgbClr val="FF0000"/>
-            </a:solidFill>
-            <a:tailEnd type="arrow"/>
-          </a:ln>
-        </p:spPr>
-        <p:style>
-          <a:lnRef idx="1">
-            <a:schemeClr val="accent1"/>
-          </a:lnRef>
-          <a:fillRef idx="0">
-            <a:schemeClr val="accent1"/>
-          </a:fillRef>
-          <a:effectRef idx="0">
-            <a:schemeClr val="accent1"/>
-          </a:effectRef>
-          <a:fontRef idx="minor">
-            <a:schemeClr val="tx1"/>
-          </a:fontRef>
-        </p:style>
-      </p:cxnSp>
-      <p:sp>
-        <p:nvSpPr>
-          <p:cNvPr id="38" name="文字方塊 37"/>
-          <p:cNvSpPr txBox="1"/>
-          <p:nvPr/>
-        </p:nvSpPr>
-        <p:spPr>
-          <a:xfrm>
-            <a:off x="6549620" y="3284984"/>
-            <a:ext cx="1800493" cy="646331"/>
-          </a:xfrm>
-          <a:prstGeom prst="rect">
-            <a:avLst/>
-          </a:prstGeom>
-          <a:solidFill>
-            <a:schemeClr val="bg1"/>
-          </a:solidFill>
-        </p:spPr>
-        <p:txBody>
-          <a:bodyPr wrap="none" rtlCol="0">
-            <a:spAutoFit/>
-          </a:bodyPr>
-          <a:lstStyle/>
-          <a:p>
-            <a:r>
-              <a:rPr lang="zh-TW" altLang="en-US" dirty="0" smtClean="0">
-                <a:solidFill>
-                  <a:srgbClr val="FF0000"/>
-                </a:solidFill>
-              </a:rPr>
-              <a:t>新增中途經過點</a:t>
-            </a:r>
-            <a:r>
-              <a:rPr lang="en-US" altLang="zh-TW" dirty="0" smtClean="0">
-                <a:solidFill>
-                  <a:srgbClr val="FF0000"/>
-                </a:solidFill>
-              </a:rPr>
-              <a:t/>
-            </a:r>
-            <a:br>
-              <a:rPr lang="en-US" altLang="zh-TW" dirty="0" smtClean="0">
-                <a:solidFill>
-                  <a:srgbClr val="FF0000"/>
-                </a:solidFill>
-              </a:rPr>
-            </a:br>
-            <a:r>
-              <a:rPr lang="en-US" altLang="zh-TW" dirty="0" smtClean="0">
-                <a:solidFill>
-                  <a:srgbClr val="FF0000"/>
-                </a:solidFill>
-              </a:rPr>
-              <a:t>Future work.</a:t>
             </a:r>
             <a:endParaRPr lang="zh-TW" altLang="en-US" dirty="0">
               <a:solidFill>

--- a/document/User頁面v1.pptx
+++ b/document/User頁面v1.pptx
@@ -231,7 +231,7 @@
           <a:p>
             <a:fld id="{014928D2-70B3-C642-9416-8A2E7C5AD5CC}" type="datetimeFigureOut">
               <a:rPr kumimoji="1" lang="zh-TW" altLang="en-US" smtClean="0"/>
-              <a:t>2017/9/19</a:t>
+              <a:t>2017/9/24</a:t>
             </a:fld>
             <a:endParaRPr kumimoji="1" lang="zh-TW" altLang="en-US"/>
           </a:p>
@@ -544,12 +544,30 @@
           <a:lstStyle/>
           <a:p>
             <a:r>
+              <a:rPr kumimoji="1" lang="en-US" altLang="zh-TW" dirty="0" smtClean="0"/>
+              <a:t>2017/9/19</a:t>
+            </a:r>
+            <a:r>
               <a:rPr kumimoji="1" lang="zh-TW" altLang="en-US" dirty="0" smtClean="0"/>
-              <a:t>常用的點能不能記憶，路徑規劃</a:t>
+              <a:t> 常用的點能不能記憶，路徑規劃</a:t>
             </a:r>
             <a:r>
               <a:rPr kumimoji="1" lang="en-US" altLang="zh-TW" dirty="0" smtClean="0"/>
               <a:t>cache</a:t>
+            </a:r>
+          </a:p>
+          <a:p>
+            <a:r>
+              <a:rPr kumimoji="1" lang="en-US" altLang="zh-TW" dirty="0" smtClean="0"/>
+              <a:t>Future</a:t>
+            </a:r>
+            <a:r>
+              <a:rPr kumimoji="1" lang="en-US" altLang="zh-TW" baseline="0" dirty="0" smtClean="0"/>
+              <a:t> work</a:t>
+            </a:r>
+            <a:r>
+              <a:rPr kumimoji="1" lang="zh-TW" altLang="en-US" baseline="0" dirty="0" smtClean="0"/>
+              <a:t>：新增中途點</a:t>
             </a:r>
             <a:endParaRPr kumimoji="1" lang="zh-TW" altLang="en-US" dirty="0" smtClean="0"/>
           </a:p>
@@ -639,8 +657,24 @@
           <a:lstStyle/>
           <a:p>
             <a:r>
+              <a:rPr kumimoji="1" lang="en-US" altLang="zh-TW" dirty="0" smtClean="0"/>
+              <a:t>2017/9/19</a:t>
+            </a:r>
+            <a:r>
               <a:rPr kumimoji="1" lang="zh-TW" altLang="en-US" dirty="0" smtClean="0"/>
-              <a:t>右邊的圖畫錯</a:t>
+              <a:t> 右邊的圖畫錯</a:t>
+            </a:r>
+            <a:r>
+              <a:rPr kumimoji="1" lang="en-US" altLang="zh-TW" dirty="0" smtClean="0"/>
+              <a:t>(</a:t>
+            </a:r>
+            <a:r>
+              <a:rPr kumimoji="1" lang="zh-TW" altLang="en-US" dirty="0" smtClean="0"/>
+              <a:t>已修改</a:t>
+            </a:r>
+            <a:r>
+              <a:rPr kumimoji="1" lang="en-US" altLang="zh-TW" dirty="0" smtClean="0"/>
+              <a:t>)</a:t>
             </a:r>
             <a:endParaRPr kumimoji="1" lang="zh-TW" altLang="en-US" dirty="0"/>
           </a:p>
@@ -727,8 +761,12 @@
           <a:lstStyle/>
           <a:p>
             <a:r>
+              <a:rPr kumimoji="1" lang="en-US" altLang="zh-TW" dirty="0" smtClean="0"/>
+              <a:t>2017/9/19</a:t>
+            </a:r>
+            <a:r>
               <a:rPr kumimoji="1" lang="zh-TW" altLang="en-US" dirty="0" smtClean="0"/>
-              <a:t>狗那邊要可以放名字，不是只有數字</a:t>
+              <a:t> 狗那邊要可以放名字，不是只有數字</a:t>
             </a:r>
           </a:p>
           <a:p>
@@ -824,7 +862,7 @@
               <a:t> </a:t>
             </a:r>
             <a:r>
-              <a:rPr kumimoji="1" lang="en-US" altLang="zh-TW" baseline="0" smtClean="0"/>
+              <a:rPr kumimoji="1" lang="en-US" altLang="zh-TW" baseline="0" dirty="0" smtClean="0"/>
               <a:t>timeout</a:t>
             </a:r>
             <a:endParaRPr kumimoji="1" lang="zh-TW" altLang="en-US" baseline="0" dirty="0" smtClean="0"/>
@@ -1051,7 +1089,7 @@
           <a:p>
             <a:fld id="{C58FEB62-690E-4E98-88E7-5DD4D49ECFE1}" type="datetimeFigureOut">
               <a:rPr lang="zh-TW" altLang="en-US" smtClean="0"/>
-              <a:t>2017/9/19</a:t>
+              <a:t>2017/9/24</a:t>
             </a:fld>
             <a:endParaRPr lang="zh-TW" altLang="en-US"/>
           </a:p>
@@ -1221,7 +1259,7 @@
           <a:p>
             <a:fld id="{C58FEB62-690E-4E98-88E7-5DD4D49ECFE1}" type="datetimeFigureOut">
               <a:rPr lang="zh-TW" altLang="en-US" smtClean="0"/>
-              <a:t>2017/9/19</a:t>
+              <a:t>2017/9/24</a:t>
             </a:fld>
             <a:endParaRPr lang="zh-TW" altLang="en-US"/>
           </a:p>
@@ -1401,7 +1439,7 @@
           <a:p>
             <a:fld id="{C58FEB62-690E-4E98-88E7-5DD4D49ECFE1}" type="datetimeFigureOut">
               <a:rPr lang="zh-TW" altLang="en-US" smtClean="0"/>
-              <a:t>2017/9/19</a:t>
+              <a:t>2017/9/24</a:t>
             </a:fld>
             <a:endParaRPr lang="zh-TW" altLang="en-US"/>
           </a:p>
@@ -1571,7 +1609,7 @@
           <a:p>
             <a:fld id="{C58FEB62-690E-4E98-88E7-5DD4D49ECFE1}" type="datetimeFigureOut">
               <a:rPr lang="zh-TW" altLang="en-US" smtClean="0"/>
-              <a:t>2017/9/19</a:t>
+              <a:t>2017/9/24</a:t>
             </a:fld>
             <a:endParaRPr lang="zh-TW" altLang="en-US"/>
           </a:p>
@@ -1817,7 +1855,7 @@
           <a:p>
             <a:fld id="{C58FEB62-690E-4E98-88E7-5DD4D49ECFE1}" type="datetimeFigureOut">
               <a:rPr lang="zh-TW" altLang="en-US" smtClean="0"/>
-              <a:t>2017/9/19</a:t>
+              <a:t>2017/9/24</a:t>
             </a:fld>
             <a:endParaRPr lang="zh-TW" altLang="en-US"/>
           </a:p>
@@ -2105,7 +2143,7 @@
           <a:p>
             <a:fld id="{C58FEB62-690E-4E98-88E7-5DD4D49ECFE1}" type="datetimeFigureOut">
               <a:rPr lang="zh-TW" altLang="en-US" smtClean="0"/>
-              <a:t>2017/9/19</a:t>
+              <a:t>2017/9/24</a:t>
             </a:fld>
             <a:endParaRPr lang="zh-TW" altLang="en-US"/>
           </a:p>
@@ -2527,7 +2565,7 @@
           <a:p>
             <a:fld id="{C58FEB62-690E-4E98-88E7-5DD4D49ECFE1}" type="datetimeFigureOut">
               <a:rPr lang="zh-TW" altLang="en-US" smtClean="0"/>
-              <a:t>2017/9/19</a:t>
+              <a:t>2017/9/24</a:t>
             </a:fld>
             <a:endParaRPr lang="zh-TW" altLang="en-US"/>
           </a:p>
@@ -2645,7 +2683,7 @@
           <a:p>
             <a:fld id="{C58FEB62-690E-4E98-88E7-5DD4D49ECFE1}" type="datetimeFigureOut">
               <a:rPr lang="zh-TW" altLang="en-US" smtClean="0"/>
-              <a:t>2017/9/19</a:t>
+              <a:t>2017/9/24</a:t>
             </a:fld>
             <a:endParaRPr lang="zh-TW" altLang="en-US"/>
           </a:p>
@@ -2740,7 +2778,7 @@
           <a:p>
             <a:fld id="{C58FEB62-690E-4E98-88E7-5DD4D49ECFE1}" type="datetimeFigureOut">
               <a:rPr lang="zh-TW" altLang="en-US" smtClean="0"/>
-              <a:t>2017/9/19</a:t>
+              <a:t>2017/9/24</a:t>
             </a:fld>
             <a:endParaRPr lang="zh-TW" altLang="en-US"/>
           </a:p>
@@ -3017,7 +3055,7 @@
           <a:p>
             <a:fld id="{C58FEB62-690E-4E98-88E7-5DD4D49ECFE1}" type="datetimeFigureOut">
               <a:rPr lang="zh-TW" altLang="en-US" smtClean="0"/>
-              <a:t>2017/9/19</a:t>
+              <a:t>2017/9/24</a:t>
             </a:fld>
             <a:endParaRPr lang="zh-TW" altLang="en-US"/>
           </a:p>
@@ -3270,7 +3308,7 @@
           <a:p>
             <a:fld id="{C58FEB62-690E-4E98-88E7-5DD4D49ECFE1}" type="datetimeFigureOut">
               <a:rPr lang="zh-TW" altLang="en-US" smtClean="0"/>
-              <a:t>2017/9/19</a:t>
+              <a:t>2017/9/24</a:t>
             </a:fld>
             <a:endParaRPr lang="zh-TW" altLang="en-US"/>
           </a:p>
@@ -3483,7 +3521,7 @@
           <a:p>
             <a:fld id="{C58FEB62-690E-4E98-88E7-5DD4D49ECFE1}" type="datetimeFigureOut">
               <a:rPr lang="zh-TW" altLang="en-US" smtClean="0"/>
-              <a:t>2017/9/19</a:t>
+              <a:t>2017/9/24</a:t>
             </a:fld>
             <a:endParaRPr lang="zh-TW" altLang="en-US"/>
           </a:p>
@@ -4827,22 +4865,22 @@
       </p:sp>
       <p:sp>
         <p:nvSpPr>
-          <p:cNvPr id="14" name="橢圓 13"/>
+          <p:cNvPr id="19" name="橢圓 18"/>
           <p:cNvSpPr/>
           <p:nvPr/>
         </p:nvSpPr>
         <p:spPr>
           <a:xfrm>
-            <a:off x="8491638" y="1965589"/>
-            <a:ext cx="180000" cy="180000"/>
+            <a:off x="2049979" y="764704"/>
+            <a:ext cx="892356" cy="576064"/>
           </a:xfrm>
           <a:prstGeom prst="ellipse">
             <a:avLst/>
           </a:prstGeom>
           <a:noFill/>
-          <a:ln w="22225">
+          <a:ln>
             <a:solidFill>
-              <a:srgbClr val="99CCFF"/>
+              <a:srgbClr val="FF0000"/>
             </a:solidFill>
           </a:ln>
         </p:spPr>
@@ -4863,35 +4901,96 @@
           </a:fontRef>
         </p:style>
         <p:txBody>
-          <a:bodyPr lIns="0" tIns="0" rIns="0" bIns="18000" rtlCol="0" anchor="ctr"/>
+          <a:bodyPr rtlCol="0" anchor="ctr"/>
           <a:lstStyle/>
           <a:p>
             <a:pPr algn="ctr"/>
-            <a:r>
-              <a:rPr lang="en-US" altLang="zh-TW" dirty="0" smtClean="0">
+            <a:endParaRPr lang="zh-TW" altLang="en-US"/>
+          </a:p>
+        </p:txBody>
+      </p:sp>
+      <p:cxnSp>
+        <p:nvCxnSpPr>
+          <p:cNvPr id="20" name="直線單箭頭接點 19"/>
+          <p:cNvCxnSpPr>
+            <a:endCxn id="19" idx="3"/>
+          </p:cNvCxnSpPr>
+          <p:nvPr/>
+        </p:nvCxnSpPr>
+        <p:spPr>
+          <a:xfrm flipV="1">
+            <a:off x="1905963" y="1256405"/>
+            <a:ext cx="274699" cy="588420"/>
+          </a:xfrm>
+          <a:prstGeom prst="straightConnector1">
+            <a:avLst/>
+          </a:prstGeom>
+          <a:ln w="25400">
+            <a:solidFill>
+              <a:srgbClr val="FF0000"/>
+            </a:solidFill>
+            <a:tailEnd type="arrow"/>
+          </a:ln>
+        </p:spPr>
+        <p:style>
+          <a:lnRef idx="1">
+            <a:schemeClr val="accent1"/>
+          </a:lnRef>
+          <a:fillRef idx="0">
+            <a:schemeClr val="accent1"/>
+          </a:fillRef>
+          <a:effectRef idx="0">
+            <a:schemeClr val="accent1"/>
+          </a:effectRef>
+          <a:fontRef idx="minor">
+            <a:schemeClr val="tx1"/>
+          </a:fontRef>
+        </p:style>
+      </p:cxnSp>
+      <p:sp>
+        <p:nvSpPr>
+          <p:cNvPr id="21" name="文字方塊 20"/>
+          <p:cNvSpPr txBox="1"/>
+          <p:nvPr/>
+        </p:nvSpPr>
+        <p:spPr>
+          <a:xfrm>
+            <a:off x="1691680" y="1859791"/>
+            <a:ext cx="2031325" cy="369332"/>
+          </a:xfrm>
+          <a:prstGeom prst="rect">
+            <a:avLst/>
+          </a:prstGeom>
+          <a:solidFill>
+            <a:schemeClr val="bg1"/>
+          </a:solidFill>
+        </p:spPr>
+        <p:txBody>
+          <a:bodyPr wrap="none" rtlCol="0">
+            <a:spAutoFit/>
+          </a:bodyPr>
+          <a:lstStyle/>
+          <a:p>
+            <a:r>
+              <a:rPr lang="zh-TW" altLang="en-US" dirty="0">
                 <a:solidFill>
-                  <a:srgbClr val="99CCFF"/>
+                  <a:srgbClr val="FF0000"/>
                 </a:solidFill>
               </a:rPr>
-              <a:t>+</a:t>
-            </a:r>
-            <a:endParaRPr lang="zh-TW" altLang="en-US" dirty="0">
-              <a:solidFill>
-                <a:srgbClr val="99CCFF"/>
-              </a:solidFill>
-            </a:endParaRPr>
-          </a:p>
-        </p:txBody>
-      </p:sp>
-      <p:sp>
-        <p:nvSpPr>
-          <p:cNvPr id="19" name="橢圓 18"/>
+              <a:t>一旦按下路徑規劃</a:t>
+            </a:r>
+          </a:p>
+        </p:txBody>
+      </p:sp>
+      <p:sp>
+        <p:nvSpPr>
+          <p:cNvPr id="23" name="橢圓 22"/>
           <p:cNvSpPr/>
           <p:nvPr/>
         </p:nvSpPr>
         <p:spPr>
           <a:xfrm>
-            <a:off x="2049979" y="764704"/>
+            <a:off x="6559964" y="792012"/>
             <a:ext cx="892356" cy="576064"/>
           </a:xfrm>
           <a:prstGeom prst="ellipse">
@@ -4931,16 +5030,14 @@
       </p:sp>
       <p:cxnSp>
         <p:nvCxnSpPr>
-          <p:cNvPr id="20" name="直線單箭頭接點 19"/>
-          <p:cNvCxnSpPr>
-            <a:endCxn id="19" idx="3"/>
-          </p:cNvCxnSpPr>
+          <p:cNvPr id="24" name="直線單箭頭接點 23"/>
+          <p:cNvCxnSpPr/>
           <p:nvPr/>
         </p:nvCxnSpPr>
         <p:spPr>
-          <a:xfrm flipV="1">
-            <a:off x="1905963" y="1256405"/>
-            <a:ext cx="274699" cy="588420"/>
+          <a:xfrm>
+            <a:off x="5851952" y="587862"/>
+            <a:ext cx="808280" cy="320858"/>
           </a:xfrm>
           <a:prstGeom prst="straightConnector1">
             <a:avLst/>
@@ -4969,13 +5066,13 @@
       </p:cxnSp>
       <p:sp>
         <p:nvSpPr>
-          <p:cNvPr id="21" name="文字方塊 20"/>
+          <p:cNvPr id="28" name="文字方塊 27"/>
           <p:cNvSpPr txBox="1"/>
           <p:nvPr/>
         </p:nvSpPr>
         <p:spPr>
           <a:xfrm>
-            <a:off x="1691680" y="1859791"/>
+            <a:off x="5005353" y="332656"/>
             <a:ext cx="2031325" cy="369332"/>
           </a:xfrm>
           <a:prstGeom prst="rect">
@@ -4992,72 +5089,31 @@
           <a:lstStyle/>
           <a:p>
             <a:r>
-              <a:rPr lang="zh-TW" altLang="en-US" dirty="0">
+              <a:rPr lang="zh-TW" altLang="en-US" dirty="0" smtClean="0">
                 <a:solidFill>
                   <a:srgbClr val="FF0000"/>
                 </a:solidFill>
               </a:rPr>
-              <a:t>一旦按下路徑規劃</a:t>
-            </a:r>
-          </a:p>
-        </p:txBody>
-      </p:sp>
-      <p:sp>
-        <p:nvSpPr>
-          <p:cNvPr id="23" name="橢圓 22"/>
-          <p:cNvSpPr/>
-          <p:nvPr/>
-        </p:nvSpPr>
-        <p:spPr>
-          <a:xfrm>
-            <a:off x="6559964" y="792012"/>
-            <a:ext cx="892356" cy="576064"/>
-          </a:xfrm>
-          <a:prstGeom prst="ellipse">
-            <a:avLst/>
-          </a:prstGeom>
-          <a:noFill/>
-          <a:ln>
-            <a:solidFill>
-              <a:srgbClr val="FF0000"/>
-            </a:solidFill>
-          </a:ln>
-        </p:spPr>
-        <p:style>
-          <a:lnRef idx="2">
-            <a:schemeClr val="accent1">
-              <a:shade val="50000"/>
-            </a:schemeClr>
-          </a:lnRef>
-          <a:fillRef idx="1">
-            <a:schemeClr val="accent1"/>
-          </a:fillRef>
-          <a:effectRef idx="0">
-            <a:schemeClr val="accent1"/>
-          </a:effectRef>
-          <a:fontRef idx="minor">
-            <a:schemeClr val="lt1"/>
-          </a:fontRef>
-        </p:style>
-        <p:txBody>
-          <a:bodyPr rtlCol="0" anchor="ctr"/>
-          <a:lstStyle/>
-          <a:p>
-            <a:pPr algn="ctr"/>
-            <a:endParaRPr lang="zh-TW" altLang="en-US"/>
+              <a:t>文字變成結束規劃</a:t>
+            </a:r>
+            <a:endParaRPr lang="zh-TW" altLang="en-US" dirty="0">
+              <a:solidFill>
+                <a:srgbClr val="FF0000"/>
+              </a:solidFill>
+            </a:endParaRPr>
           </a:p>
         </p:txBody>
       </p:sp>
       <p:cxnSp>
         <p:nvCxnSpPr>
-          <p:cNvPr id="24" name="直線單箭頭接點 23"/>
+          <p:cNvPr id="30" name="直線單箭頭接點 29"/>
           <p:cNvCxnSpPr/>
           <p:nvPr/>
         </p:nvCxnSpPr>
         <p:spPr>
-          <a:xfrm>
-            <a:off x="5851952" y="587862"/>
-            <a:ext cx="808280" cy="320858"/>
+          <a:xfrm flipV="1">
+            <a:off x="4532755" y="2024762"/>
+            <a:ext cx="700772" cy="941806"/>
           </a:xfrm>
           <a:prstGeom prst="straightConnector1">
             <a:avLst/>
@@ -5086,82 +5142,6 @@
       </p:cxnSp>
       <p:sp>
         <p:nvSpPr>
-          <p:cNvPr id="28" name="文字方塊 27"/>
-          <p:cNvSpPr txBox="1"/>
-          <p:nvPr/>
-        </p:nvSpPr>
-        <p:spPr>
-          <a:xfrm>
-            <a:off x="5005353" y="332656"/>
-            <a:ext cx="2031325" cy="369332"/>
-          </a:xfrm>
-          <a:prstGeom prst="rect">
-            <a:avLst/>
-          </a:prstGeom>
-          <a:solidFill>
-            <a:schemeClr val="bg1"/>
-          </a:solidFill>
-        </p:spPr>
-        <p:txBody>
-          <a:bodyPr wrap="none" rtlCol="0">
-            <a:spAutoFit/>
-          </a:bodyPr>
-          <a:lstStyle/>
-          <a:p>
-            <a:r>
-              <a:rPr lang="zh-TW" altLang="en-US" dirty="0" smtClean="0">
-                <a:solidFill>
-                  <a:srgbClr val="FF0000"/>
-                </a:solidFill>
-              </a:rPr>
-              <a:t>文字變成結束規劃</a:t>
-            </a:r>
-            <a:endParaRPr lang="zh-TW" altLang="en-US" dirty="0">
-              <a:solidFill>
-                <a:srgbClr val="FF0000"/>
-              </a:solidFill>
-            </a:endParaRPr>
-          </a:p>
-        </p:txBody>
-      </p:sp>
-      <p:cxnSp>
-        <p:nvCxnSpPr>
-          <p:cNvPr id="30" name="直線單箭頭接點 29"/>
-          <p:cNvCxnSpPr/>
-          <p:nvPr/>
-        </p:nvCxnSpPr>
-        <p:spPr>
-          <a:xfrm flipV="1">
-            <a:off x="4532755" y="2024762"/>
-            <a:ext cx="700772" cy="941806"/>
-          </a:xfrm>
-          <a:prstGeom prst="straightConnector1">
-            <a:avLst/>
-          </a:prstGeom>
-          <a:ln w="25400">
-            <a:solidFill>
-              <a:srgbClr val="FF0000"/>
-            </a:solidFill>
-            <a:tailEnd type="arrow"/>
-          </a:ln>
-        </p:spPr>
-        <p:style>
-          <a:lnRef idx="1">
-            <a:schemeClr val="accent1"/>
-          </a:lnRef>
-          <a:fillRef idx="0">
-            <a:schemeClr val="accent1"/>
-          </a:fillRef>
-          <a:effectRef idx="0">
-            <a:schemeClr val="accent1"/>
-          </a:effectRef>
-          <a:fontRef idx="minor">
-            <a:schemeClr val="tx1"/>
-          </a:fontRef>
-        </p:style>
-      </p:cxnSp>
-      <p:sp>
-        <p:nvSpPr>
           <p:cNvPr id="34" name="文字方塊 33"/>
           <p:cNvSpPr txBox="1"/>
           <p:nvPr/>
@@ -5191,105 +5171,6 @@
                 </a:solidFill>
               </a:rPr>
               <a:t>畫面上方出現此方塊</a:t>
-            </a:r>
-            <a:endParaRPr lang="zh-TW" altLang="en-US" dirty="0">
-              <a:solidFill>
-                <a:srgbClr val="FF0000"/>
-              </a:solidFill>
-            </a:endParaRPr>
-          </a:p>
-        </p:txBody>
-      </p:sp>
-      <p:cxnSp>
-        <p:nvCxnSpPr>
-          <p:cNvPr id="35" name="直線單箭頭接點 34"/>
-          <p:cNvCxnSpPr/>
-          <p:nvPr/>
-        </p:nvCxnSpPr>
-        <p:spPr>
-          <a:xfrm flipV="1">
-            <a:off x="8206653" y="2204864"/>
-            <a:ext cx="374985" cy="1080120"/>
-          </a:xfrm>
-          <a:prstGeom prst="straightConnector1">
-            <a:avLst/>
-          </a:prstGeom>
-          <a:ln w="25400">
-            <a:solidFill>
-              <a:srgbClr val="FF0000"/>
-            </a:solidFill>
-            <a:tailEnd type="arrow"/>
-          </a:ln>
-        </p:spPr>
-        <p:style>
-          <a:lnRef idx="1">
-            <a:schemeClr val="accent1"/>
-          </a:lnRef>
-          <a:fillRef idx="0">
-            <a:schemeClr val="accent1"/>
-          </a:fillRef>
-          <a:effectRef idx="0">
-            <a:schemeClr val="accent1"/>
-          </a:effectRef>
-          <a:fontRef idx="minor">
-            <a:schemeClr val="tx1"/>
-          </a:fontRef>
-        </p:style>
-      </p:cxnSp>
-      <p:sp>
-        <p:nvSpPr>
-          <p:cNvPr id="38" name="文字方塊 37"/>
-          <p:cNvSpPr txBox="1"/>
-          <p:nvPr/>
-        </p:nvSpPr>
-        <p:spPr>
-          <a:xfrm>
-            <a:off x="6549620" y="3284984"/>
-            <a:ext cx="1800493" cy="646331"/>
-          </a:xfrm>
-          <a:prstGeom prst="rect">
-            <a:avLst/>
-          </a:prstGeom>
-          <a:solidFill>
-            <a:schemeClr val="bg1"/>
-          </a:solidFill>
-        </p:spPr>
-        <p:txBody>
-          <a:bodyPr wrap="none" rtlCol="0">
-            <a:spAutoFit/>
-          </a:bodyPr>
-          <a:lstStyle/>
-          <a:p>
-            <a:r>
-              <a:rPr lang="zh-TW" altLang="en-US" dirty="0" smtClean="0">
-                <a:solidFill>
-                  <a:srgbClr val="FF0000"/>
-                </a:solidFill>
-              </a:rPr>
-              <a:t>新增中途經過點</a:t>
-            </a:r>
-            <a:r>
-              <a:rPr lang="en-US" altLang="zh-TW" dirty="0" smtClean="0">
-                <a:solidFill>
-                  <a:srgbClr val="FF0000"/>
-                </a:solidFill>
-              </a:rPr>
-              <a:t/>
-            </a:r>
-            <a:br>
-              <a:rPr lang="en-US" altLang="zh-TW" dirty="0" smtClean="0">
-                <a:solidFill>
-                  <a:srgbClr val="FF0000"/>
-                </a:solidFill>
-              </a:rPr>
-            </a:br>
-            <a:r>
-              <a:rPr lang="en-US" altLang="zh-TW" dirty="0" smtClean="0">
-                <a:solidFill>
-                  <a:srgbClr val="FF0000"/>
-                </a:solidFill>
-              </a:rPr>
-              <a:t>Future work.</a:t>
             </a:r>
             <a:endParaRPr lang="zh-TW" altLang="en-US" dirty="0">
               <a:solidFill>
@@ -6873,6 +6754,78 @@
           <a:p>
             <a:pPr algn="ctr"/>
             <a:endParaRPr lang="zh-TW" altLang="en-US"/>
+          </a:p>
+        </p:txBody>
+      </p:sp>
+      <p:pic>
+        <p:nvPicPr>
+          <p:cNvPr id="29" name="圖片 28"/>
+          <p:cNvPicPr>
+            <a:picLocks noChangeAspect="1"/>
+          </p:cNvPicPr>
+          <p:nvPr/>
+        </p:nvPicPr>
+        <p:blipFill>
+          <a:blip r:embed="rId5" cstate="print">
+            <a:extLst>
+              <a:ext uri="{28A0092B-C50C-407E-A947-70E740481C1C}">
+                <a14:useLocalDpi xmlns:a14="http://schemas.microsoft.com/office/drawing/2010/main" val="0"/>
+              </a:ext>
+            </a:extLst>
+          </a:blip>
+          <a:stretch>
+            <a:fillRect/>
+          </a:stretch>
+        </p:blipFill>
+        <p:spPr>
+          <a:xfrm>
+            <a:off x="8808219" y="3062338"/>
+            <a:ext cx="719507" cy="601185"/>
+          </a:xfrm>
+          <a:prstGeom prst="rect">
+            <a:avLst/>
+          </a:prstGeom>
+        </p:spPr>
+      </p:pic>
+      <p:sp>
+        <p:nvSpPr>
+          <p:cNvPr id="2" name="文字方塊 1"/>
+          <p:cNvSpPr txBox="1"/>
+          <p:nvPr/>
+        </p:nvSpPr>
+        <p:spPr>
+          <a:xfrm>
+            <a:off x="6875296" y="3971037"/>
+            <a:ext cx="1345690" cy="338554"/>
+          </a:xfrm>
+          <a:prstGeom prst="rect">
+            <a:avLst/>
+          </a:prstGeom>
+          <a:noFill/>
+        </p:spPr>
+        <p:txBody>
+          <a:bodyPr wrap="square" rtlCol="0">
+            <a:spAutoFit/>
+          </a:bodyPr>
+          <a:lstStyle/>
+          <a:p>
+            <a:r>
+              <a:rPr lang="zh-TW" altLang="en-US" sz="1600" dirty="0" smtClean="0">
+                <a:solidFill>
+                  <a:schemeClr val="accent2">
+                    <a:lumMod val="75000"/>
+                  </a:schemeClr>
+                </a:solidFill>
+              </a:rPr>
+              <a:t>現在位置</a:t>
+            </a:r>
+            <a:endParaRPr lang="zh-TW" altLang="en-US" sz="1600" dirty="0">
+              <a:solidFill>
+                <a:schemeClr val="accent2">
+                  <a:lumMod val="75000"/>
+                </a:schemeClr>
+              </a:solidFill>
+            </a:endParaRPr>
           </a:p>
         </p:txBody>
       </p:sp>
